--- a/fig/figs.pptx
+++ b/fig/figs.pptx
@@ -195,7 +195,7 @@
           <a:p>
             <a:fld id="{2D07C7A3-FFCF-784A-AB62-0ACD99643E3C}" type="datetimeFigureOut">
               <a:rPr lang="en-US" smtClean="0"/>
-              <a:t>9/4/16</a:t>
+              <a:t>9/5/16</a:t>
             </a:fld>
             <a:endParaRPr lang="en-US"/>
           </a:p>
@@ -971,7 +971,7 @@
           <a:p>
             <a:fld id="{B5F48AD5-A525-4844-A7B8-09CE7A927C53}" type="datetimeFigureOut">
               <a:rPr lang="en-US" smtClean="0"/>
-              <a:t>9/4/16</a:t>
+              <a:t>9/5/16</a:t>
             </a:fld>
             <a:endParaRPr lang="en-US"/>
           </a:p>
@@ -1141,7 +1141,7 @@
           <a:p>
             <a:fld id="{B5F48AD5-A525-4844-A7B8-09CE7A927C53}" type="datetimeFigureOut">
               <a:rPr lang="en-US" smtClean="0"/>
-              <a:t>9/4/16</a:t>
+              <a:t>9/5/16</a:t>
             </a:fld>
             <a:endParaRPr lang="en-US"/>
           </a:p>
@@ -1321,7 +1321,7 @@
           <a:p>
             <a:fld id="{B5F48AD5-A525-4844-A7B8-09CE7A927C53}" type="datetimeFigureOut">
               <a:rPr lang="en-US" smtClean="0"/>
-              <a:t>9/4/16</a:t>
+              <a:t>9/5/16</a:t>
             </a:fld>
             <a:endParaRPr lang="en-US"/>
           </a:p>
@@ -1491,7 +1491,7 @@
           <a:p>
             <a:fld id="{B5F48AD5-A525-4844-A7B8-09CE7A927C53}" type="datetimeFigureOut">
               <a:rPr lang="en-US" smtClean="0"/>
-              <a:t>9/4/16</a:t>
+              <a:t>9/5/16</a:t>
             </a:fld>
             <a:endParaRPr lang="en-US"/>
           </a:p>
@@ -1737,7 +1737,7 @@
           <a:p>
             <a:fld id="{B5F48AD5-A525-4844-A7B8-09CE7A927C53}" type="datetimeFigureOut">
               <a:rPr lang="en-US" smtClean="0"/>
-              <a:t>9/4/16</a:t>
+              <a:t>9/5/16</a:t>
             </a:fld>
             <a:endParaRPr lang="en-US"/>
           </a:p>
@@ -2025,7 +2025,7 @@
           <a:p>
             <a:fld id="{B5F48AD5-A525-4844-A7B8-09CE7A927C53}" type="datetimeFigureOut">
               <a:rPr lang="en-US" smtClean="0"/>
-              <a:t>9/4/16</a:t>
+              <a:t>9/5/16</a:t>
             </a:fld>
             <a:endParaRPr lang="en-US"/>
           </a:p>
@@ -2447,7 +2447,7 @@
           <a:p>
             <a:fld id="{B5F48AD5-A525-4844-A7B8-09CE7A927C53}" type="datetimeFigureOut">
               <a:rPr lang="en-US" smtClean="0"/>
-              <a:t>9/4/16</a:t>
+              <a:t>9/5/16</a:t>
             </a:fld>
             <a:endParaRPr lang="en-US"/>
           </a:p>
@@ -2565,7 +2565,7 @@
           <a:p>
             <a:fld id="{B5F48AD5-A525-4844-A7B8-09CE7A927C53}" type="datetimeFigureOut">
               <a:rPr lang="en-US" smtClean="0"/>
-              <a:t>9/4/16</a:t>
+              <a:t>9/5/16</a:t>
             </a:fld>
             <a:endParaRPr lang="en-US"/>
           </a:p>
@@ -2660,7 +2660,7 @@
           <a:p>
             <a:fld id="{B5F48AD5-A525-4844-A7B8-09CE7A927C53}" type="datetimeFigureOut">
               <a:rPr lang="en-US" smtClean="0"/>
-              <a:t>9/4/16</a:t>
+              <a:t>9/5/16</a:t>
             </a:fld>
             <a:endParaRPr lang="en-US"/>
           </a:p>
@@ -2937,7 +2937,7 @@
           <a:p>
             <a:fld id="{B5F48AD5-A525-4844-A7B8-09CE7A927C53}" type="datetimeFigureOut">
               <a:rPr lang="en-US" smtClean="0"/>
-              <a:t>9/4/16</a:t>
+              <a:t>9/5/16</a:t>
             </a:fld>
             <a:endParaRPr lang="en-US"/>
           </a:p>
@@ -3190,7 +3190,7 @@
           <a:p>
             <a:fld id="{B5F48AD5-A525-4844-A7B8-09CE7A927C53}" type="datetimeFigureOut">
               <a:rPr lang="en-US" smtClean="0"/>
-              <a:t>9/4/16</a:t>
+              <a:t>9/5/16</a:t>
             </a:fld>
             <a:endParaRPr lang="en-US"/>
           </a:p>
@@ -3403,7 +3403,7 @@
           <a:p>
             <a:fld id="{B5F48AD5-A525-4844-A7B8-09CE7A927C53}" type="datetimeFigureOut">
               <a:rPr lang="en-US" smtClean="0"/>
-              <a:t>9/4/16</a:t>
+              <a:t>9/5/16</a:t>
             </a:fld>
             <a:endParaRPr lang="en-US"/>
           </a:p>
@@ -4603,7 +4603,7 @@
         </p:blipFill>
         <p:spPr>
           <a:xfrm>
-            <a:off x="1715099" y="3452278"/>
+            <a:off x="1715099" y="3068310"/>
             <a:ext cx="5540274" cy="1562100"/>
           </a:xfrm>
           <a:prstGeom prst="rect">
@@ -4680,7 +4680,7 @@
         </p:blipFill>
         <p:spPr>
           <a:xfrm>
-            <a:off x="507994" y="3452278"/>
+            <a:off x="507994" y="3068310"/>
             <a:ext cx="1465196" cy="1465196"/>
           </a:xfrm>
           <a:prstGeom prst="rect">
@@ -4807,7 +4807,7 @@
         <p:spPr>
           <a:xfrm>
             <a:off x="3477163" y="839330"/>
-            <a:ext cx="0" cy="4398283"/>
+            <a:ext cx="0" cy="3791080"/>
           </a:xfrm>
           <a:prstGeom prst="line">
             <a:avLst/>
@@ -4843,7 +4843,7 @@
         <p:spPr>
           <a:xfrm>
             <a:off x="5288034" y="839330"/>
-            <a:ext cx="0" cy="4398283"/>
+            <a:ext cx="0" cy="3791080"/>
           </a:xfrm>
           <a:prstGeom prst="line">
             <a:avLst/>
